--- a/Documents/CMPE256_FinalProject_Presentation_TeamSpectrum.pptx
+++ b/Documents/CMPE256_FinalProject_Presentation_TeamSpectrum.pptx
@@ -5,7 +5,7 @@
     <p:sldMasterId id="2147483648" r:id="rId1"/>
   </p:sldMasterIdLst>
   <p:notesMasterIdLst>
-    <p:notesMasterId r:id="rId16"/>
+    <p:notesMasterId r:id="rId17"/>
   </p:notesMasterIdLst>
   <p:sldIdLst>
     <p:sldId id="256" r:id="rId2"/>
@@ -19,9 +19,10 @@
     <p:sldId id="263" r:id="rId10"/>
     <p:sldId id="266" r:id="rId11"/>
     <p:sldId id="273" r:id="rId12"/>
-    <p:sldId id="267" r:id="rId13"/>
-    <p:sldId id="268" r:id="rId14"/>
-    <p:sldId id="269" r:id="rId15"/>
+    <p:sldId id="274" r:id="rId13"/>
+    <p:sldId id="267" r:id="rId14"/>
+    <p:sldId id="268" r:id="rId15"/>
+    <p:sldId id="269" r:id="rId16"/>
   </p:sldIdLst>
   <p:sldSz cx="12192000" cy="6858000"/>
   <p:notesSz cx="6858000" cy="9144000"/>
@@ -3733,7 +3734,7 @@
           <a:p>
             <a:pPr algn="l"/>
             <a:r>
-              <a:rPr lang="en-US" sz="4700"/>
+              <a:rPr lang="en-US" sz="4700" dirty="0"/>
               <a:t>Analysis of Happy DB for Happy Moment Prediction</a:t>
             </a:r>
           </a:p>
@@ -3780,7 +3781,7 @@
             </a:r>
             <a:r>
               <a:rPr lang="en-US" sz="1900" dirty="0" smtClean="0"/>
-              <a:t>-</a:t>
+              <a:t>- 011833640</a:t>
             </a:r>
             <a:endParaRPr lang="en-US" sz="1900" dirty="0"/>
           </a:p>
@@ -3792,7 +3793,7 @@
             </a:r>
             <a:r>
               <a:rPr lang="en-US" sz="1900" dirty="0" smtClean="0"/>
-              <a:t>Haroon -</a:t>
+              <a:t>Haroon - 011815479</a:t>
             </a:r>
             <a:endParaRPr lang="en-US" sz="1900" dirty="0"/>
           </a:p>
@@ -4327,7 +4328,7 @@
           <a:p>
             <a:r>
               <a:rPr lang="en-US" dirty="0" smtClean="0"/>
-              <a:t>Conclusion:</a:t>
+              <a:t>Analysis of Results:</a:t>
             </a:r>
             <a:endParaRPr lang="en-US" dirty="0"/>
           </a:p>
@@ -4351,68 +4352,43 @@
         </p:spPr>
         <p:txBody>
           <a:bodyPr>
-            <a:normAutofit fontScale="70000" lnSpcReduction="20000"/>
+            <a:normAutofit lnSpcReduction="10000"/>
           </a:bodyPr>
           <a:lstStyle/>
           <a:p>
             <a:pPr lvl="0"/>
             <a:r>
-              <a:rPr lang="en-US" sz="2400" dirty="0"/>
-              <a:t>Through data exploration and preprocessing of Happy DB, we better understood the data we are dealing with and how features are interdependent. We could apply concepts learnt in the class which was a very good experience. </a:t>
+              <a:rPr lang="en-US" sz="2400" dirty="0" smtClean="0"/>
+              <a:t>With the help of results and the evaluation graphs we can say that Logistic Regression has good accuracy results but the algorithm failed to predict most of the target categories.</a:t>
             </a:r>
           </a:p>
           <a:p>
             <a:pPr lvl="0"/>
             <a:r>
-              <a:rPr lang="en-US" sz="2400" dirty="0"/>
-              <a:t>Even after applying various algorithms, we couldn’t predict the happy moment category with a good accuracy which shows that this category is independent of demographic information and this is counter-intuitive! </a:t>
-            </a:r>
-          </a:p>
-          <a:p>
-            <a:r>
-              <a:rPr lang="en-US" sz="2400" dirty="0"/>
-              <a:t>Future scope is to perform sentiment analysis to determine happiness by specific types of experiences. </a:t>
-            </a:r>
-            <a:endParaRPr lang="en-US" sz="2400" dirty="0" smtClean="0"/>
+              <a:rPr lang="en-US" sz="2400" dirty="0" smtClean="0"/>
+              <a:t>Tree based algorithms like Decision Tree and Random Forest performs the best in all three conditions, </a:t>
+            </a:r>
+            <a:r>
+              <a:rPr lang="en-US" sz="2400" dirty="0" err="1" smtClean="0"/>
+              <a:t>i.e</a:t>
+            </a:r>
+            <a:r>
+              <a:rPr lang="en-US" sz="2400" dirty="0" smtClean="0"/>
+              <a:t> with only Parenthood variable, Parenthood along with Marital and also with all the variables.</a:t>
+            </a:r>
           </a:p>
           <a:p>
             <a:pPr lvl="0"/>
             <a:r>
-              <a:rPr lang="en-US" sz="2400" dirty="0"/>
-              <a:t>With the help of results and the evaluation graphs we can say that Logistic Regression has good accuracy results but the algorithm failed to predict most of the target categories.</a:t>
+              <a:rPr lang="en-US" sz="2400" dirty="0" smtClean="0"/>
+              <a:t>It is also seen that Parenthood variable alone was able to give an accuracy of more than 40% for most of the algorithms except KNN and SGD.</a:t>
             </a:r>
           </a:p>
           <a:p>
             <a:pPr lvl="0"/>
             <a:r>
-              <a:rPr lang="en-US" sz="2400" dirty="0"/>
-              <a:t>Tree based algorithms like Decision Tree and Random Forest performs the best in all three conditions, </a:t>
-            </a:r>
-            <a:r>
-              <a:rPr lang="en-US" sz="2400" dirty="0" err="1"/>
-              <a:t>i.e</a:t>
-            </a:r>
-            <a:r>
-              <a:rPr lang="en-US" sz="2400" dirty="0"/>
-              <a:t> with only Parenthood variable, Parenthood along with Marital and also with all the variables.</a:t>
-            </a:r>
-          </a:p>
-          <a:p>
-            <a:pPr lvl="0"/>
-            <a:r>
-              <a:rPr lang="en-US" sz="2400" dirty="0"/>
-              <a:t>It is also seen that Parenthood variable alone was able to give an accuracy of more than 40% for most of the algorithms except KNN and SGD.</a:t>
-            </a:r>
-          </a:p>
-          <a:p>
-            <a:pPr lvl="0"/>
-            <a:r>
-              <a:rPr lang="en-US" sz="2400" dirty="0"/>
-              <a:t>We can see that adding more dimensions does not improve our accuracy score. With 8 more variables as independent variables, we were able to improve the accuracy by only 1</a:t>
-            </a:r>
-            <a:r>
               <a:rPr lang="en-US" sz="2400" dirty="0" smtClean="0"/>
-              <a:t>%</a:t>
+              <a:t>We can see that adding more dimensions does not improve our accuracy score. With 8 more variables as independent variables, we were able to improve the accuracy by only 1%</a:t>
             </a:r>
             <a:endParaRPr lang="en-US" sz="2400" dirty="0"/>
           </a:p>
@@ -4421,7 +4397,7 @@
     </p:spTree>
     <p:extLst>
       <p:ext uri="{BB962C8B-B14F-4D97-AF65-F5344CB8AC3E}">
-        <p14:creationId xmlns:p14="http://schemas.microsoft.com/office/powerpoint/2010/main" val="3143328633"/>
+        <p14:creationId xmlns:p14="http://schemas.microsoft.com/office/powerpoint/2010/main" val="1734275826"/>
       </p:ext>
     </p:extLst>
   </p:cSld>
@@ -4548,7 +4524,7 @@
           <a:p>
             <a:r>
               <a:rPr lang="en-US" dirty="0" smtClean="0"/>
-              <a:t>References:</a:t>
+              <a:t>Conclusion:</a:t>
             </a:r>
             <a:endParaRPr lang="en-US" dirty="0"/>
           </a:p>
@@ -4572,170 +4548,36 @@
         </p:spPr>
         <p:txBody>
           <a:bodyPr>
-            <a:normAutofit fontScale="92500"/>
+            <a:normAutofit/>
           </a:bodyPr>
           <a:lstStyle/>
           <a:p>
             <a:pPr lvl="0"/>
             <a:r>
-              <a:rPr lang="en-US" sz="2400" dirty="0" err="1"/>
-              <a:t>Akari</a:t>
-            </a:r>
-            <a:r>
               <a:rPr lang="en-US" sz="2400" dirty="0"/>
-              <a:t> </a:t>
-            </a:r>
-            <a:r>
-              <a:rPr lang="en-US" sz="2400" dirty="0" err="1"/>
-              <a:t>Asai</a:t>
-            </a:r>
+              <a:t>Through data exploration and preprocessing of Happy DB, we better understood the data we are dealing with and how features are interdependent. We could apply concepts learnt in the class which was a very good experience. </a:t>
+            </a:r>
+          </a:p>
+          <a:p>
+            <a:pPr lvl="0"/>
             <a:r>
               <a:rPr lang="en-US" sz="2400" dirty="0"/>
-              <a:t>, Sara </a:t>
-            </a:r>
-            <a:r>
-              <a:rPr lang="en-US" sz="2400" dirty="0" err="1"/>
-              <a:t>Evensen</a:t>
-            </a:r>
+              <a:t>Even after applying various algorithms, we couldn’t predict the happy moment category with a good accuracy which shows that this category is independent of demographic information and this is counter-intuitive! </a:t>
+            </a:r>
+          </a:p>
+          <a:p>
             <a:r>
               <a:rPr lang="en-US" sz="2400" dirty="0"/>
-              <a:t>, </a:t>
-            </a:r>
-            <a:r>
-              <a:rPr lang="en-US" sz="2400" dirty="0" err="1"/>
-              <a:t>Behzad</a:t>
-            </a:r>
-            <a:r>
-              <a:rPr lang="en-US" sz="2400" dirty="0"/>
-              <a:t> </a:t>
-            </a:r>
-            <a:r>
-              <a:rPr lang="en-US" sz="2400" dirty="0" err="1"/>
-              <a:t>Golshan</a:t>
-            </a:r>
-            <a:r>
-              <a:rPr lang="en-US" sz="2400" dirty="0"/>
-              <a:t>, </a:t>
-            </a:r>
-            <a:r>
-              <a:rPr lang="en-US" sz="2400" dirty="0" err="1"/>
-              <a:t>Alon</a:t>
-            </a:r>
-            <a:r>
-              <a:rPr lang="en-US" sz="2400" dirty="0"/>
-              <a:t> Halevy, Vivian Li, Andrei </a:t>
-            </a:r>
-            <a:r>
-              <a:rPr lang="en-US" sz="2400" dirty="0" err="1"/>
-              <a:t>Lopatenko</a:t>
-            </a:r>
-            <a:r>
-              <a:rPr lang="en-US" sz="2400" dirty="0"/>
-              <a:t>, Daniela </a:t>
-            </a:r>
-            <a:r>
-              <a:rPr lang="en-US" sz="2400" dirty="0" err="1"/>
-              <a:t>Stepanov</a:t>
-            </a:r>
-            <a:r>
-              <a:rPr lang="en-US" sz="2400" dirty="0"/>
-              <a:t>, Yoshihiko </a:t>
-            </a:r>
-            <a:r>
-              <a:rPr lang="en-US" sz="2400" dirty="0" err="1"/>
-              <a:t>Suhara</a:t>
-            </a:r>
-            <a:r>
-              <a:rPr lang="en-US" sz="2400" dirty="0"/>
-              <a:t>, Wang-</a:t>
-            </a:r>
-            <a:r>
-              <a:rPr lang="en-US" sz="2400" dirty="0" err="1"/>
-              <a:t>Chiew</a:t>
-            </a:r>
-            <a:r>
-              <a:rPr lang="en-US" sz="2400" dirty="0"/>
-              <a:t> Tan, </a:t>
-            </a:r>
-            <a:r>
-              <a:rPr lang="en-US" sz="2400" dirty="0" err="1"/>
-              <a:t>Yinzhan</a:t>
-            </a:r>
-            <a:r>
-              <a:rPr lang="en-US" sz="2400" dirty="0"/>
-              <a:t> Xu, ``</a:t>
-            </a:r>
-            <a:r>
-              <a:rPr lang="en-US" sz="2400" dirty="0" err="1"/>
-              <a:t>HappyDB</a:t>
-            </a:r>
-            <a:r>
-              <a:rPr lang="en-US" sz="2400" dirty="0"/>
-              <a:t>: A Corpus of 100,000 Crowdsourced Happy Moments'', LREC '18, May 2018.</a:t>
-            </a:r>
-          </a:p>
-          <a:p>
-            <a:pPr lvl="0"/>
-            <a:r>
-              <a:rPr lang="en-US" sz="2400" u="sng" dirty="0">
-                <a:hlinkClick r:id="rId2"/>
-              </a:rPr>
-              <a:t>https://github.com/rit-public/HappyDB</a:t>
-            </a:r>
-            <a:endParaRPr lang="en-US" sz="2400" dirty="0"/>
-          </a:p>
-          <a:p>
-            <a:pPr lvl="0"/>
-            <a:r>
-              <a:rPr lang="en-US" sz="2400" u="sng" dirty="0">
-                <a:hlinkClick r:id="rId3"/>
-              </a:rPr>
-              <a:t>https://www.kaggle.com/ritresearch/happydb</a:t>
-            </a:r>
-            <a:endParaRPr lang="en-US" sz="2400" dirty="0"/>
-          </a:p>
-          <a:p>
-            <a:pPr lvl="0"/>
-            <a:r>
-              <a:rPr lang="en-US" sz="2400" u="sng" dirty="0">
-                <a:hlinkClick r:id="rId4"/>
-              </a:rPr>
-              <a:t>http://scikit-learn.org/stable/supervised_learning.html</a:t>
-            </a:r>
-            <a:endParaRPr lang="en-US" sz="2400" dirty="0"/>
-          </a:p>
-          <a:p>
-            <a:pPr lvl="0"/>
-            <a:r>
-              <a:rPr lang="en-US" sz="2400" u="sng" dirty="0">
-                <a:hlinkClick r:id="rId5"/>
-              </a:rPr>
-              <a:t>http://scikit-learn.org/stable/auto_examples/model_selection/plot_roc.html#multiclass-settings</a:t>
-            </a:r>
-            <a:endParaRPr lang="en-US" sz="2400" dirty="0"/>
-          </a:p>
-          <a:p>
-            <a:pPr lvl="0"/>
-            <a:r>
-              <a:rPr lang="en-US" sz="2400" u="sng" dirty="0">
-                <a:hlinkClick r:id="rId6"/>
-              </a:rPr>
-              <a:t>https://</a:t>
-            </a:r>
-            <a:r>
-              <a:rPr lang="en-US" sz="2400" u="sng" dirty="0" smtClean="0">
-                <a:hlinkClick r:id="rId6"/>
-              </a:rPr>
-              <a:t>pandas.pydata.org/pandas-docs/stable/visualization.html</a:t>
-            </a:r>
-            <a:endParaRPr lang="en-US" sz="2400" dirty="0"/>
+              <a:t>Future scope is to perform sentiment analysis to determine happiness by specific types of experiences. </a:t>
+            </a:r>
+            <a:endParaRPr lang="en-US" sz="2400" dirty="0" smtClean="0"/>
           </a:p>
         </p:txBody>
       </p:sp>
     </p:spTree>
     <p:extLst>
       <p:ext uri="{BB962C8B-B14F-4D97-AF65-F5344CB8AC3E}">
-        <p14:creationId xmlns:p14="http://schemas.microsoft.com/office/powerpoint/2010/main" val="4107598080"/>
+        <p14:creationId xmlns:p14="http://schemas.microsoft.com/office/powerpoint/2010/main" val="3143328633"/>
       </p:ext>
     </p:extLst>
   </p:cSld>
@@ -4862,7 +4704,7 @@
           <a:p>
             <a:r>
               <a:rPr lang="en-US" dirty="0" smtClean="0"/>
-              <a:t>THANK YOU!</a:t>
+              <a:t>References:</a:t>
             </a:r>
             <a:endParaRPr lang="en-US" dirty="0"/>
           </a:p>
@@ -4882,6 +4724,290 @@
           <a:xfrm>
             <a:off x="838200" y="2057400"/>
             <a:ext cx="10515600" cy="3871762"/>
+          </a:xfrm>
+        </p:spPr>
+        <p:txBody>
+          <a:bodyPr>
+            <a:normAutofit fontScale="92500"/>
+          </a:bodyPr>
+          <a:lstStyle/>
+          <a:p>
+            <a:pPr lvl="0"/>
+            <a:r>
+              <a:rPr lang="en-US" sz="2400" dirty="0" err="1"/>
+              <a:t>Akari</a:t>
+            </a:r>
+            <a:r>
+              <a:rPr lang="en-US" sz="2400" dirty="0"/>
+              <a:t> </a:t>
+            </a:r>
+            <a:r>
+              <a:rPr lang="en-US" sz="2400" dirty="0" err="1"/>
+              <a:t>Asai</a:t>
+            </a:r>
+            <a:r>
+              <a:rPr lang="en-US" sz="2400" dirty="0"/>
+              <a:t>, Sara </a:t>
+            </a:r>
+            <a:r>
+              <a:rPr lang="en-US" sz="2400" dirty="0" err="1"/>
+              <a:t>Evensen</a:t>
+            </a:r>
+            <a:r>
+              <a:rPr lang="en-US" sz="2400" dirty="0"/>
+              <a:t>, </a:t>
+            </a:r>
+            <a:r>
+              <a:rPr lang="en-US" sz="2400" dirty="0" err="1"/>
+              <a:t>Behzad</a:t>
+            </a:r>
+            <a:r>
+              <a:rPr lang="en-US" sz="2400" dirty="0"/>
+              <a:t> </a:t>
+            </a:r>
+            <a:r>
+              <a:rPr lang="en-US" sz="2400" dirty="0" err="1"/>
+              <a:t>Golshan</a:t>
+            </a:r>
+            <a:r>
+              <a:rPr lang="en-US" sz="2400" dirty="0"/>
+              <a:t>, </a:t>
+            </a:r>
+            <a:r>
+              <a:rPr lang="en-US" sz="2400" dirty="0" err="1"/>
+              <a:t>Alon</a:t>
+            </a:r>
+            <a:r>
+              <a:rPr lang="en-US" sz="2400" dirty="0"/>
+              <a:t> Halevy, Vivian Li, Andrei </a:t>
+            </a:r>
+            <a:r>
+              <a:rPr lang="en-US" sz="2400" dirty="0" err="1"/>
+              <a:t>Lopatenko</a:t>
+            </a:r>
+            <a:r>
+              <a:rPr lang="en-US" sz="2400" dirty="0"/>
+              <a:t>, Daniela </a:t>
+            </a:r>
+            <a:r>
+              <a:rPr lang="en-US" sz="2400" dirty="0" err="1"/>
+              <a:t>Stepanov</a:t>
+            </a:r>
+            <a:r>
+              <a:rPr lang="en-US" sz="2400" dirty="0"/>
+              <a:t>, Yoshihiko </a:t>
+            </a:r>
+            <a:r>
+              <a:rPr lang="en-US" sz="2400" dirty="0" err="1"/>
+              <a:t>Suhara</a:t>
+            </a:r>
+            <a:r>
+              <a:rPr lang="en-US" sz="2400" dirty="0"/>
+              <a:t>, Wang-</a:t>
+            </a:r>
+            <a:r>
+              <a:rPr lang="en-US" sz="2400" dirty="0" err="1"/>
+              <a:t>Chiew</a:t>
+            </a:r>
+            <a:r>
+              <a:rPr lang="en-US" sz="2400" dirty="0"/>
+              <a:t> Tan, </a:t>
+            </a:r>
+            <a:r>
+              <a:rPr lang="en-US" sz="2400" dirty="0" err="1"/>
+              <a:t>Yinzhan</a:t>
+            </a:r>
+            <a:r>
+              <a:rPr lang="en-US" sz="2400" dirty="0"/>
+              <a:t> Xu, ``</a:t>
+            </a:r>
+            <a:r>
+              <a:rPr lang="en-US" sz="2400" dirty="0" err="1"/>
+              <a:t>HappyDB</a:t>
+            </a:r>
+            <a:r>
+              <a:rPr lang="en-US" sz="2400" dirty="0"/>
+              <a:t>: A Corpus of 100,000 Crowdsourced Happy Moments'', LREC '18, May 2018.</a:t>
+            </a:r>
+          </a:p>
+          <a:p>
+            <a:pPr lvl="0"/>
+            <a:r>
+              <a:rPr lang="en-US" sz="2400" u="sng" dirty="0">
+                <a:hlinkClick r:id="rId2"/>
+              </a:rPr>
+              <a:t>https://github.com/rit-public/HappyDB</a:t>
+            </a:r>
+            <a:endParaRPr lang="en-US" sz="2400" dirty="0"/>
+          </a:p>
+          <a:p>
+            <a:pPr lvl="0"/>
+            <a:r>
+              <a:rPr lang="en-US" sz="2400" u="sng" dirty="0">
+                <a:hlinkClick r:id="rId3"/>
+              </a:rPr>
+              <a:t>https://www.kaggle.com/ritresearch/happydb</a:t>
+            </a:r>
+            <a:endParaRPr lang="en-US" sz="2400" dirty="0"/>
+          </a:p>
+          <a:p>
+            <a:pPr lvl="0"/>
+            <a:r>
+              <a:rPr lang="en-US" sz="2400" u="sng" dirty="0">
+                <a:hlinkClick r:id="rId4"/>
+              </a:rPr>
+              <a:t>http://scikit-learn.org/stable/supervised_learning.html</a:t>
+            </a:r>
+            <a:endParaRPr lang="en-US" sz="2400" dirty="0"/>
+          </a:p>
+          <a:p>
+            <a:pPr lvl="0"/>
+            <a:r>
+              <a:rPr lang="en-US" sz="2400" u="sng" dirty="0">
+                <a:hlinkClick r:id="rId5"/>
+              </a:rPr>
+              <a:t>http://scikit-learn.org/stable/auto_examples/model_selection/plot_roc.html#multiclass-settings</a:t>
+            </a:r>
+            <a:endParaRPr lang="en-US" sz="2400" dirty="0"/>
+          </a:p>
+          <a:p>
+            <a:pPr lvl="0"/>
+            <a:r>
+              <a:rPr lang="en-US" sz="2400" u="sng" dirty="0">
+                <a:hlinkClick r:id="rId6"/>
+              </a:rPr>
+              <a:t>https://</a:t>
+            </a:r>
+            <a:r>
+              <a:rPr lang="en-US" sz="2400" u="sng" dirty="0" smtClean="0">
+                <a:hlinkClick r:id="rId6"/>
+              </a:rPr>
+              <a:t>pandas.pydata.org/pandas-docs/stable/visualization.html</a:t>
+            </a:r>
+            <a:endParaRPr lang="en-US" sz="2400" dirty="0"/>
+          </a:p>
+        </p:txBody>
+      </p:sp>
+    </p:spTree>
+    <p:extLst>
+      <p:ext uri="{BB962C8B-B14F-4D97-AF65-F5344CB8AC3E}">
+        <p14:creationId xmlns:p14="http://schemas.microsoft.com/office/powerpoint/2010/main" val="4107598080"/>
+      </p:ext>
+    </p:extLst>
+  </p:cSld>
+  <p:clrMapOvr>
+    <a:masterClrMapping/>
+  </p:clrMapOvr>
+</p:sld>
+</file>
+
+<file path=ppt/slides/slide15.xml><?xml version="1.0" encoding="utf-8"?>
+<p:sld xmlns:a="http://schemas.openxmlformats.org/drawingml/2006/main" xmlns:r="http://schemas.openxmlformats.org/officeDocument/2006/relationships" xmlns:p="http://schemas.openxmlformats.org/presentationml/2006/main">
+  <p:cSld>
+    <p:bg>
+      <p:bgPr>
+        <a:solidFill>
+          <a:schemeClr val="bg1"/>
+        </a:solidFill>
+        <a:effectLst/>
+      </p:bgPr>
+    </p:bg>
+    <p:spTree>
+      <p:nvGrpSpPr>
+        <p:cNvPr id="1" name=""/>
+        <p:cNvGrpSpPr/>
+        <p:nvPr/>
+      </p:nvGrpSpPr>
+      <p:grpSpPr>
+        <a:xfrm>
+          <a:off x="0" y="0"/>
+          <a:ext cx="0" cy="0"/>
+          <a:chOff x="0" y="0"/>
+          <a:chExt cx="0" cy="0"/>
+        </a:xfrm>
+      </p:grpSpPr>
+      <p:sp>
+        <p:nvSpPr>
+          <p:cNvPr id="8" name="Rectangle 7">
+            <a:extLst>
+              <a:ext uri="{FF2B5EF4-FFF2-40B4-BE49-F238E27FC236}">
+                <a16:creationId xmlns:a16="http://schemas.microsoft.com/office/drawing/2014/main" xmlns="" id="{F98ED85F-DCEE-4B50-802E-71A6E3E12B04}"/>
+              </a:ext>
+            </a:extLst>
+          </p:cNvPr>
+          <p:cNvSpPr>
+            <a:spLocks noGrp="1" noRot="1" noChangeAspect="1" noMove="1" noResize="1" noEditPoints="1" noAdjustHandles="1" noChangeArrowheads="1" noChangeShapeType="1" noTextEdit="1"/>
+          </p:cNvSpPr>
+          <p:nvPr>
+            <p:extLst>
+              <p:ext uri="{386F3935-93C4-4BCD-93E2-E3B085C9AB24}">
+                <p16:designElem xmlns:p16="http://schemas.microsoft.com/office/powerpoint/2015/main" val="1"/>
+              </p:ext>
+            </p:extLst>
+          </p:nvPr>
+        </p:nvSpPr>
+        <p:spPr bwMode="ltGray">
+          <a:xfrm>
+            <a:off x="321564" y="320040"/>
+            <a:ext cx="11548872" cy="6217920"/>
+          </a:xfrm>
+          <a:prstGeom prst="rect">
+            <a:avLst/>
+          </a:prstGeom>
+          <a:solidFill>
+            <a:schemeClr val="tx1">
+              <a:alpha val="14000"/>
+            </a:schemeClr>
+          </a:solidFill>
+          <a:ln w="127000" cap="sq" cmpd="thinThick">
+            <a:solidFill>
+              <a:schemeClr val="tx1">
+                <a:lumMod val="85000"/>
+                <a:lumOff val="15000"/>
+                <a:alpha val="15000"/>
+              </a:schemeClr>
+            </a:solidFill>
+          </a:ln>
+        </p:spPr>
+        <p:style>
+          <a:lnRef idx="2">
+            <a:schemeClr val="accent1">
+              <a:shade val="50000"/>
+            </a:schemeClr>
+          </a:lnRef>
+          <a:fillRef idx="1">
+            <a:schemeClr val="accent1"/>
+          </a:fillRef>
+          <a:effectRef idx="0">
+            <a:schemeClr val="accent1"/>
+          </a:effectRef>
+          <a:fontRef idx="minor">
+            <a:schemeClr val="lt1"/>
+          </a:fontRef>
+        </p:style>
+        <p:txBody>
+          <a:bodyPr rtlCol="0" anchor="ctr"/>
+          <a:lstStyle/>
+          <a:p>
+            <a:pPr algn="ctr"/>
+            <a:endParaRPr lang="en-US"/>
+          </a:p>
+        </p:txBody>
+      </p:sp>
+      <p:sp>
+        <p:nvSpPr>
+          <p:cNvPr id="2" name="Title 1"/>
+          <p:cNvSpPr>
+            <a:spLocks noGrp="1"/>
+          </p:cNvSpPr>
+          <p:nvPr>
+            <p:ph type="title"/>
+          </p:nvPr>
+        </p:nvSpPr>
+        <p:spPr>
+          <a:xfrm>
+            <a:off x="4026599" y="2514607"/>
+            <a:ext cx="3217164" cy="1257293"/>
           </a:xfrm>
         </p:spPr>
         <p:txBody>
@@ -4890,7 +5016,11 @@
           </a:bodyPr>
           <a:lstStyle/>
           <a:p>
-            <a:endParaRPr lang="en-US" sz="2400" dirty="0"/>
+            <a:r>
+              <a:rPr lang="en-US" dirty="0" smtClean="0"/>
+              <a:t>THANK YOU!</a:t>
+            </a:r>
+            <a:endParaRPr lang="en-US" dirty="0"/>
           </a:p>
         </p:txBody>
       </p:sp>
@@ -5290,18 +5420,89 @@
           </a:bodyPr>
           <a:lstStyle/>
           <a:p>
-            <a:r>
-              <a:rPr lang="en-US" sz="2400" dirty="0" err="1" smtClean="0"/>
-              <a:t>Demographic.csv</a:t>
-            </a:r>
-            <a:endParaRPr lang="en-US" sz="2400" dirty="0" smtClean="0"/>
-          </a:p>
-          <a:p>
-            <a:r>
-              <a:rPr lang="en-US" sz="2400" dirty="0" err="1" smtClean="0"/>
-              <a:t>Cleaned_hm.csv</a:t>
-            </a:r>
-            <a:endParaRPr lang="en-US" sz="2400" dirty="0"/>
+            <a:pPr lvl="0"/>
+            <a:r>
+              <a:rPr lang="en-US" sz="2400" dirty="0"/>
+              <a:t>Happy DB is a collection of various files of which we are using only </a:t>
+            </a:r>
+            <a:r>
+              <a:rPr lang="en-US" sz="2400" dirty="0" err="1"/>
+              <a:t>cleaned_hm.csv</a:t>
+            </a:r>
+            <a:r>
+              <a:rPr lang="en-US" sz="2400" dirty="0"/>
+              <a:t> and </a:t>
+            </a:r>
+            <a:r>
+              <a:rPr lang="en-US" sz="2400" dirty="0" err="1"/>
+              <a:t>demographic.csv</a:t>
+            </a:r>
+            <a:r>
+              <a:rPr lang="en-US" sz="2400" dirty="0"/>
+              <a:t>. </a:t>
+            </a:r>
+          </a:p>
+          <a:p>
+            <a:pPr lvl="0"/>
+            <a:r>
+              <a:rPr lang="en-US" sz="2400" dirty="0" err="1"/>
+              <a:t>cleaned_hm.csv</a:t>
+            </a:r>
+            <a:r>
+              <a:rPr lang="en-US" sz="2400" dirty="0"/>
+              <a:t> has dimensions 100535*9 and </a:t>
+            </a:r>
+            <a:r>
+              <a:rPr lang="en-US" sz="2400" dirty="0" err="1"/>
+              <a:t>demographic.csv</a:t>
+            </a:r>
+            <a:r>
+              <a:rPr lang="en-US" sz="2400" dirty="0"/>
+              <a:t> has dimensions 10844*6. The feature that we are considering for our analysis in </a:t>
+            </a:r>
+            <a:r>
+              <a:rPr lang="en-US" sz="2400" dirty="0" err="1"/>
+              <a:t>cleaned_hm.csv</a:t>
+            </a:r>
+            <a:r>
+              <a:rPr lang="en-US" sz="2400" dirty="0"/>
+              <a:t> is “</a:t>
+            </a:r>
+            <a:r>
+              <a:rPr lang="en-US" sz="2400" dirty="0" err="1"/>
+              <a:t>predicted_category</a:t>
+            </a:r>
+            <a:r>
+              <a:rPr lang="en-US" sz="2400" dirty="0"/>
+              <a:t>”. We are considering features age, country, parenthood, marital, gender from </a:t>
+            </a:r>
+            <a:r>
+              <a:rPr lang="en-US" sz="2400" dirty="0" err="1"/>
+              <a:t>demographic.csv</a:t>
+            </a:r>
+            <a:r>
+              <a:rPr lang="en-US" sz="2400" dirty="0"/>
+              <a:t>. </a:t>
+            </a:r>
+          </a:p>
+          <a:p>
+            <a:pPr lvl="0"/>
+            <a:r>
+              <a:rPr lang="en-US" sz="2400" dirty="0" err="1"/>
+              <a:t>cleaned_hm.csv</a:t>
+            </a:r>
+            <a:r>
+              <a:rPr lang="en-US" sz="2400" dirty="0"/>
+              <a:t> contains cleaned happy moments and </a:t>
+            </a:r>
+            <a:r>
+              <a:rPr lang="en-US" sz="2400" dirty="0" err="1"/>
+              <a:t>demographic.csv</a:t>
+            </a:r>
+            <a:r>
+              <a:rPr lang="en-US" sz="2400" dirty="0"/>
+              <a:t> contains demographic details of a person.</a:t>
+            </a:r>
           </a:p>
         </p:txBody>
       </p:sp>
